--- a/DsDotNet/src/UnitTest/UnitTest.Engine/ImportOffice/Sample/s1.pptx
+++ b/DsDotNet/src/UnitTest/UnitTest.Engine/ImportOffice/Sample/s1.pptx
@@ -215,7 +215,7 @@
           <a:p>
             <a:fld id="{DD503887-5801-43A0-AEF9-041E8DDC2558}" type="datetimeFigureOut">
               <a:rPr lang="ko-KR" altLang="en-US" smtClean="0"/>
-              <a:t>2023-01-21</a:t>
+              <a:t>2023-01-22</a:t>
             </a:fld>
             <a:endParaRPr lang="ko-KR" altLang="en-US" dirty="0"/>
           </a:p>
@@ -392,7 +392,7 @@
           <a:p>
             <a:fld id="{95336A0E-57B1-4D4C-BD9B-2F72B5943464}" type="datetimeFigureOut">
               <a:rPr lang="ko-KR" altLang="en-US" smtClean="0"/>
-              <a:t>2023-01-21</a:t>
+              <a:t>2023-01-22</a:t>
             </a:fld>
             <a:endParaRPr lang="ko-KR" altLang="en-US" dirty="0"/>
           </a:p>
@@ -806,7 +806,7 @@
           <a:p>
             <a:fld id="{229D12C7-0FF5-4972-A033-474EFFC79F40}" type="datetime1">
               <a:rPr lang="ko-KR" altLang="en-US" smtClean="0"/>
-              <a:t>2023-01-21</a:t>
+              <a:t>2023-01-22</a:t>
             </a:fld>
             <a:endParaRPr lang="ko-KR" altLang="en-US" dirty="0"/>
           </a:p>
@@ -1004,7 +1004,7 @@
           <a:p>
             <a:fld id="{5BA19FD4-B052-4F56-8FD8-EAFD078DEFB0}" type="datetime1">
               <a:rPr lang="ko-KR" altLang="en-US" smtClean="0"/>
-              <a:t>2023-01-21</a:t>
+              <a:t>2023-01-22</a:t>
             </a:fld>
             <a:endParaRPr lang="ko-KR" altLang="en-US" dirty="0"/>
           </a:p>
@@ -1212,7 +1212,7 @@
           <a:p>
             <a:fld id="{024994B9-23A6-4B0A-A038-AC140E83DAA3}" type="datetime1">
               <a:rPr lang="ko-KR" altLang="en-US" smtClean="0"/>
-              <a:t>2023-01-21</a:t>
+              <a:t>2023-01-22</a:t>
             </a:fld>
             <a:endParaRPr lang="ko-KR" altLang="en-US" dirty="0"/>
           </a:p>
@@ -1354,7 +1354,7 @@
           <a:p>
             <a:fld id="{B5B1BBC2-B738-4C35-AEE5-660EB2DEB482}" type="datetime1">
               <a:rPr lang="ko-KR" altLang="en-US" smtClean="0"/>
-              <a:t>2023-01-21</a:t>
+              <a:t>2023-01-22</a:t>
             </a:fld>
             <a:endParaRPr lang="ko-KR" altLang="en-US" dirty="0"/>
           </a:p>
@@ -6021,7 +6021,7 @@
           <a:p>
             <a:fld id="{70D0DAB2-87CB-4028-B965-3AA710ADF2CB}" type="datetime1">
               <a:rPr lang="ko-KR" altLang="en-US" smtClean="0"/>
-              <a:t>2023-01-21</a:t>
+              <a:t>2023-01-22</a:t>
             </a:fld>
             <a:endParaRPr lang="ko-KR" altLang="en-US" dirty="0"/>
           </a:p>
@@ -6296,7 +6296,7 @@
           <a:p>
             <a:fld id="{63FA3D71-FEA8-477F-9D1E-EA860F411BC7}" type="datetime1">
               <a:rPr lang="ko-KR" altLang="en-US" smtClean="0"/>
-              <a:t>2023-01-21</a:t>
+              <a:t>2023-01-22</a:t>
             </a:fld>
             <a:endParaRPr lang="ko-KR" altLang="en-US" dirty="0"/>
           </a:p>
@@ -6561,7 +6561,7 @@
           <a:p>
             <a:fld id="{F58E3EF4-7980-4C97-BA64-EC66995BB574}" type="datetime1">
               <a:rPr lang="ko-KR" altLang="en-US" smtClean="0"/>
-              <a:t>2023-01-21</a:t>
+              <a:t>2023-01-22</a:t>
             </a:fld>
             <a:endParaRPr lang="ko-KR" altLang="en-US" dirty="0"/>
           </a:p>
@@ -6973,7 +6973,7 @@
           <a:p>
             <a:fld id="{FC9BC1D0-7D6B-4634-9D19-644040D74EAE}" type="datetime1">
               <a:rPr lang="ko-KR" altLang="en-US" smtClean="0"/>
-              <a:t>2023-01-21</a:t>
+              <a:t>2023-01-22</a:t>
             </a:fld>
             <a:endParaRPr lang="ko-KR" altLang="en-US" dirty="0"/>
           </a:p>
@@ -7114,7 +7114,7 @@
           <a:p>
             <a:fld id="{B5B1BBC2-B738-4C35-AEE5-660EB2DEB482}" type="datetime1">
               <a:rPr lang="ko-KR" altLang="en-US" smtClean="0"/>
-              <a:t>2023-01-21</a:t>
+              <a:t>2023-01-22</a:t>
             </a:fld>
             <a:endParaRPr lang="ko-KR" altLang="en-US" dirty="0"/>
           </a:p>
@@ -11696,7 +11696,7 @@
           <a:p>
             <a:fld id="{C60E9F93-7E77-4F36-B88C-A425F00C8D91}" type="datetime1">
               <a:rPr lang="ko-KR" altLang="en-US" smtClean="0"/>
-              <a:t>2023-01-21</a:t>
+              <a:t>2023-01-22</a:t>
             </a:fld>
             <a:endParaRPr lang="ko-KR" altLang="en-US" dirty="0"/>
           </a:p>
@@ -12007,7 +12007,7 @@
           <a:p>
             <a:fld id="{36BCCD0E-2A54-4016-BFFC-FEAABCDA6915}" type="datetime1">
               <a:rPr lang="ko-KR" altLang="en-US" smtClean="0"/>
-              <a:t>2023-01-21</a:t>
+              <a:t>2023-01-22</a:t>
             </a:fld>
             <a:endParaRPr lang="ko-KR" altLang="en-US" dirty="0"/>
           </a:p>
@@ -12295,7 +12295,7 @@
           <a:p>
             <a:fld id="{C984B0C4-64BA-4E4C-B5E6-A51EE3F6ED95}" type="datetime1">
               <a:rPr lang="ko-KR" altLang="en-US" smtClean="0"/>
-              <a:t>2023-01-21</a:t>
+              <a:t>2023-01-22</a:t>
             </a:fld>
             <a:endParaRPr lang="ko-KR" altLang="en-US" dirty="0"/>
           </a:p>
@@ -12537,7 +12537,7 @@
           <a:p>
             <a:fld id="{C984B0C4-64BA-4E4C-B5E6-A51EE3F6ED95}" type="datetime1">
               <a:rPr lang="ko-KR" altLang="en-US" smtClean="0"/>
-              <a:t>2023-01-21</a:t>
+              <a:t>2023-01-22</a:t>
             </a:fld>
             <a:endParaRPr lang="ko-KR" altLang="en-US" dirty="0"/>
           </a:p>
